--- a/5_seminar/contents_part_III/slides/slides_II_4.pptx
+++ b/5_seminar/contents_part_III/slides/slides_II_4.pptx
@@ -226,7 +226,7 @@
           <a:p>
             <a:fld id="{7A5B87F2-13FD-4A24-9F19-39B31C60B536}" type="datetimeFigureOut">
               <a:rPr lang="en-US" smtClean="0"/>
-              <a:t>5/5/2021</a:t>
+              <a:t>5/6/2021</a:t>
             </a:fld>
             <a:endParaRPr lang="en-US"/>
           </a:p>
@@ -1921,7 +1921,7 @@
           <a:p>
             <a:fld id="{5A1811BA-6AD9-41A7-B7A2-456C8523519C}" type="datetime1">
               <a:rPr lang="en-US" smtClean="0"/>
-              <a:t>5/5/2021</a:t>
+              <a:t>5/6/2021</a:t>
             </a:fld>
             <a:endParaRPr lang="en-US"/>
           </a:p>
@@ -2091,7 +2091,7 @@
           <a:p>
             <a:fld id="{B0494441-C196-4BB0-93EE-AF22360207AB}" type="datetime1">
               <a:rPr lang="en-US" smtClean="0"/>
-              <a:t>5/5/2021</a:t>
+              <a:t>5/6/2021</a:t>
             </a:fld>
             <a:endParaRPr lang="en-US"/>
           </a:p>
@@ -2271,7 +2271,7 @@
           <a:p>
             <a:fld id="{D7B9282B-C3CE-4F56-8DD1-5349F982F1D2}" type="datetime1">
               <a:rPr lang="en-US" smtClean="0"/>
-              <a:t>5/5/2021</a:t>
+              <a:t>5/6/2021</a:t>
             </a:fld>
             <a:endParaRPr lang="en-US"/>
           </a:p>
@@ -2441,7 +2441,7 @@
           <a:p>
             <a:fld id="{E6E86D6A-786F-4E85-AF3B-385015383ABA}" type="datetime1">
               <a:rPr lang="en-US" smtClean="0"/>
-              <a:t>5/5/2021</a:t>
+              <a:t>5/6/2021</a:t>
             </a:fld>
             <a:endParaRPr lang="en-US"/>
           </a:p>
@@ -2687,7 +2687,7 @@
           <a:p>
             <a:fld id="{051FFEB0-9C80-4A34-A5C7-72D52D52FC7D}" type="datetime1">
               <a:rPr lang="en-US" smtClean="0"/>
-              <a:t>5/5/2021</a:t>
+              <a:t>5/6/2021</a:t>
             </a:fld>
             <a:endParaRPr lang="en-US"/>
           </a:p>
@@ -2919,7 +2919,7 @@
           <a:p>
             <a:fld id="{084267AD-C299-471B-ABA1-D0EA94C7EDCF}" type="datetime1">
               <a:rPr lang="en-US" smtClean="0"/>
-              <a:t>5/5/2021</a:t>
+              <a:t>5/6/2021</a:t>
             </a:fld>
             <a:endParaRPr lang="en-US"/>
           </a:p>
@@ -3286,7 +3286,7 @@
           <a:p>
             <a:fld id="{6468DBC7-10F8-46A1-8CE1-DBB0A6F0EF3E}" type="datetime1">
               <a:rPr lang="en-US" smtClean="0"/>
-              <a:t>5/5/2021</a:t>
+              <a:t>5/6/2021</a:t>
             </a:fld>
             <a:endParaRPr lang="en-US"/>
           </a:p>
@@ -3404,7 +3404,7 @@
           <a:p>
             <a:fld id="{0A97ED80-8DDA-43A7-A78F-B0542D691D0E}" type="datetime1">
               <a:rPr lang="en-US" smtClean="0"/>
-              <a:t>5/5/2021</a:t>
+              <a:t>5/6/2021</a:t>
             </a:fld>
             <a:endParaRPr lang="en-US"/>
           </a:p>
@@ -3499,7 +3499,7 @@
           <a:p>
             <a:fld id="{0AF827E6-45BA-40D2-98F2-BE4FFF095577}" type="datetime1">
               <a:rPr lang="en-US" smtClean="0"/>
-              <a:t>5/5/2021</a:t>
+              <a:t>5/6/2021</a:t>
             </a:fld>
             <a:endParaRPr lang="en-US"/>
           </a:p>
@@ -3776,7 +3776,7 @@
           <a:p>
             <a:fld id="{42BD114C-22EA-4B1A-A45B-ED6465C7BB4E}" type="datetime1">
               <a:rPr lang="en-US" smtClean="0"/>
-              <a:t>5/5/2021</a:t>
+              <a:t>5/6/2021</a:t>
             </a:fld>
             <a:endParaRPr lang="en-US"/>
           </a:p>
@@ -4029,7 +4029,7 @@
           <a:p>
             <a:fld id="{F46F8903-38BE-4FD8-98FC-E4EF771B2D8C}" type="datetime1">
               <a:rPr lang="en-US" smtClean="0"/>
-              <a:t>5/5/2021</a:t>
+              <a:t>5/6/2021</a:t>
             </a:fld>
             <a:endParaRPr lang="en-US"/>
           </a:p>
@@ -4242,7 +4242,7 @@
           <a:p>
             <a:fld id="{A91AC8C7-9CA9-4E83-8CE3-AD3BE4150B39}" type="datetime1">
               <a:rPr lang="en-US" smtClean="0"/>
-              <a:t>5/5/2021</a:t>
+              <a:t>5/6/2021</a:t>
             </a:fld>
             <a:endParaRPr lang="en-US"/>
           </a:p>
@@ -6336,7 +6336,7 @@
             </a:r>
             <a:r>
               <a:rPr lang="en-US" b="1"/>
-              <a:t>ABSA with BERT</a:t>
+              <a:t>Sentiment Analysis with BERT</a:t>
             </a:r>
           </a:p>
         </p:txBody>
@@ -6394,7 +6394,7 @@
                   <a:schemeClr val="tx1"/>
                 </a:solidFill>
               </a:rPr>
-              <a:t>Demo 12: ABSA with BERT</a:t>
+              <a:t>Demo 12: SA with BERT</a:t>
             </a:r>
             <a:endParaRPr lang="en-US" sz="4000" b="1">
               <a:solidFill>
@@ -6528,7 +6528,7 @@
             </a:r>
             <a:r>
               <a:rPr lang="en-US" b="1"/>
-              <a:t>ABSA with BERT</a:t>
+              <a:t>Sentiment Analysis with BERT</a:t>
             </a:r>
           </a:p>
         </p:txBody>
@@ -6586,7 +6586,7 @@
                   <a:schemeClr val="tx1"/>
                 </a:solidFill>
               </a:rPr>
-              <a:t>Exercise 6: ABSA with BERT</a:t>
+              <a:t>Exercise 6: SA with BERT</a:t>
             </a:r>
             <a:endParaRPr lang="en-US" sz="4000">
               <a:solidFill>
